--- a/Labs/G23_ConnectCo.pptx
+++ b/Labs/G23_ConnectCo.pptx
@@ -32,7 +32,7 @@
       <p:regular r:id="rId14"/>
     </p:embeddedFont>
     <p:embeddedFont>
-      <p:font typeface="DM Sans Bold" panose="020B0604020202020204" charset="0"/>
+      <p:font typeface="DM Sans Bold" charset="0"/>
       <p:regular r:id="rId15"/>
     </p:embeddedFont>
     <p:embeddedFont>
@@ -40,20 +40,8 @@
       <p:regular r:id="rId16"/>
     </p:embeddedFont>
     <p:embeddedFont>
-      <p:font typeface="Helios" panose="020B0604020202020204" charset="0"/>
+      <p:font typeface="Poppins" panose="00000500000000000000" pitchFamily="2" charset="0"/>
       <p:regular r:id="rId17"/>
-    </p:embeddedFont>
-    <p:embeddedFont>
-      <p:font typeface="Helios Bold" panose="020B0604020202020204" charset="0"/>
-      <p:regular r:id="rId18"/>
-    </p:embeddedFont>
-    <p:embeddedFont>
-      <p:font typeface="Klein Bold" panose="020B0604020202020204" charset="0"/>
-      <p:regular r:id="rId19"/>
-    </p:embeddedFont>
-    <p:embeddedFont>
-      <p:font typeface="Poppins" panose="00000500000000000000" pitchFamily="2" charset="0"/>
-      <p:regular r:id="rId20"/>
     </p:embeddedFont>
   </p:embeddedFontLst>
   <p:defaultTextStyle>
@@ -350,7 +338,7 @@
             <a:fld id="{1D8BD707-D9CF-40AE-B4C6-C98DA3205C09}" type="datetimeFigureOut">
               <a:rPr lang="en-US" smtClean="0"/>
               <a:pPr/>
-              <a:t>12/2/2024</a:t>
+              <a:t>12/4/2024</a:t>
             </a:fld>
             <a:endParaRPr lang="en-US"/>
           </a:p>
@@ -515,7 +503,7 @@
             <a:fld id="{1D8BD707-D9CF-40AE-B4C6-C98DA3205C09}" type="datetimeFigureOut">
               <a:rPr lang="en-US" smtClean="0"/>
               <a:pPr/>
-              <a:t>12/2/2024</a:t>
+              <a:t>12/4/2024</a:t>
             </a:fld>
             <a:endParaRPr lang="en-US"/>
           </a:p>
@@ -690,7 +678,7 @@
             <a:fld id="{1D8BD707-D9CF-40AE-B4C6-C98DA3205C09}" type="datetimeFigureOut">
               <a:rPr lang="en-US" smtClean="0"/>
               <a:pPr/>
-              <a:t>12/2/2024</a:t>
+              <a:t>12/4/2024</a:t>
             </a:fld>
             <a:endParaRPr lang="en-US"/>
           </a:p>
@@ -855,7 +843,7 @@
             <a:fld id="{1D8BD707-D9CF-40AE-B4C6-C98DA3205C09}" type="datetimeFigureOut">
               <a:rPr lang="en-US" smtClean="0"/>
               <a:pPr/>
-              <a:t>12/2/2024</a:t>
+              <a:t>12/4/2024</a:t>
             </a:fld>
             <a:endParaRPr lang="en-US"/>
           </a:p>
@@ -1097,7 +1085,7 @@
             <a:fld id="{1D8BD707-D9CF-40AE-B4C6-C98DA3205C09}" type="datetimeFigureOut">
               <a:rPr lang="en-US" smtClean="0"/>
               <a:pPr/>
-              <a:t>12/2/2024</a:t>
+              <a:t>12/4/2024</a:t>
             </a:fld>
             <a:endParaRPr lang="en-US"/>
           </a:p>
@@ -1379,7 +1367,7 @@
             <a:fld id="{1D8BD707-D9CF-40AE-B4C6-C98DA3205C09}" type="datetimeFigureOut">
               <a:rPr lang="en-US" smtClean="0"/>
               <a:pPr/>
-              <a:t>12/2/2024</a:t>
+              <a:t>12/4/2024</a:t>
             </a:fld>
             <a:endParaRPr lang="en-US"/>
           </a:p>
@@ -1795,7 +1783,7 @@
             <a:fld id="{1D8BD707-D9CF-40AE-B4C6-C98DA3205C09}" type="datetimeFigureOut">
               <a:rPr lang="en-US" smtClean="0"/>
               <a:pPr/>
-              <a:t>12/2/2024</a:t>
+              <a:t>12/4/2024</a:t>
             </a:fld>
             <a:endParaRPr lang="en-US"/>
           </a:p>
@@ -1909,7 +1897,7 @@
             <a:fld id="{1D8BD707-D9CF-40AE-B4C6-C98DA3205C09}" type="datetimeFigureOut">
               <a:rPr lang="en-US" smtClean="0"/>
               <a:pPr/>
-              <a:t>12/2/2024</a:t>
+              <a:t>12/4/2024</a:t>
             </a:fld>
             <a:endParaRPr lang="en-US"/>
           </a:p>
@@ -2001,7 +1989,7 @@
             <a:fld id="{1D8BD707-D9CF-40AE-B4C6-C98DA3205C09}" type="datetimeFigureOut">
               <a:rPr lang="en-US" smtClean="0"/>
               <a:pPr/>
-              <a:t>12/2/2024</a:t>
+              <a:t>12/4/2024</a:t>
             </a:fld>
             <a:endParaRPr lang="en-US"/>
           </a:p>
@@ -2273,7 +2261,7 @@
             <a:fld id="{1D8BD707-D9CF-40AE-B4C6-C98DA3205C09}" type="datetimeFigureOut">
               <a:rPr lang="en-US" smtClean="0"/>
               <a:pPr/>
-              <a:t>12/2/2024</a:t>
+              <a:t>12/4/2024</a:t>
             </a:fld>
             <a:endParaRPr lang="en-US"/>
           </a:p>
@@ -2522,7 +2510,7 @@
             <a:fld id="{1D8BD707-D9CF-40AE-B4C6-C98DA3205C09}" type="datetimeFigureOut">
               <a:rPr lang="en-US" smtClean="0"/>
               <a:pPr/>
-              <a:t>12/2/2024</a:t>
+              <a:t>12/4/2024</a:t>
             </a:fld>
             <a:endParaRPr lang="en-US"/>
           </a:p>
@@ -2730,7 +2718,7 @@
             <a:fld id="{1D8BD707-D9CF-40AE-B4C6-C98DA3205C09}" type="datetimeFigureOut">
               <a:rPr lang="en-US" smtClean="0"/>
               <a:pPr/>
-              <a:t>12/2/2024</a:t>
+              <a:t>12/4/2024</a:t>
             </a:fld>
             <a:endParaRPr lang="en-US"/>
           </a:p>
@@ -3707,7 +3695,7 @@
                 <a:cs typeface="Poppins"/>
                 <a:sym typeface="Poppins"/>
               </a:rPr>
-              <a:t>8</a:t>
+              <a:t>8.5</a:t>
             </a:r>
           </a:p>
         </p:txBody>
@@ -3720,7 +3708,7 @@
         </p:nvSpPr>
         <p:spPr>
           <a:xfrm>
-            <a:off x="12617519" y="2766166"/>
+            <a:off x="13473890" y="3285721"/>
             <a:ext cx="1343144" cy="4017192"/>
           </a:xfrm>
           <a:prstGeom prst="rect">
@@ -3764,7 +3752,7 @@
         </p:nvSpPr>
         <p:spPr>
           <a:xfrm>
-            <a:off x="13621629" y="3717362"/>
+            <a:off x="14478000" y="4236917"/>
             <a:ext cx="2674977" cy="4017192"/>
           </a:xfrm>
           <a:prstGeom prst="rect">
@@ -3786,7 +3774,7 @@
               </a:spcBef>
             </a:pPr>
             <a:r>
-              <a:rPr lang="en-US" sz="22217">
+              <a:rPr lang="en-US" sz="22217" dirty="0">
                 <a:solidFill>
                   <a:srgbClr val="153969"/>
                 </a:solidFill>
@@ -7394,8 +7382,8 @@
         </p:nvSpPr>
         <p:spPr>
           <a:xfrm>
-            <a:off x="9144000" y="0"/>
-            <a:ext cx="8401538" cy="10287000"/>
+            <a:off x="10172700" y="1066800"/>
+            <a:ext cx="7372838" cy="9029700"/>
           </a:xfrm>
           <a:custGeom>
             <a:avLst/>
@@ -7434,14 +7422,14 @@
       </p:sp>
       <p:sp>
         <p:nvSpPr>
-          <p:cNvPr id="6" name="TextBox 6"/>
+          <p:cNvPr id="7" name="TextBox 7"/>
           <p:cNvSpPr txBox="1"/>
           <p:nvPr/>
         </p:nvSpPr>
         <p:spPr>
           <a:xfrm>
-            <a:off x="490007" y="198118"/>
-            <a:ext cx="7138649" cy="1024890"/>
+            <a:off x="1028700" y="3236699"/>
+            <a:ext cx="5293803" cy="556895"/>
           </a:xfrm>
           <a:prstGeom prst="rect">
             <a:avLst/>
@@ -7455,329 +7443,189 @@
           <a:p>
             <a:pPr algn="l">
               <a:lnSpc>
-                <a:spcPts val="8190"/>
+                <a:spcPts val="4479"/>
               </a:lnSpc>
             </a:pPr>
-            <a:r>
-              <a:rPr lang="en-US" sz="6300" b="1">
-                <a:solidFill>
-                  <a:srgbClr val="2A2E3A"/>
-                </a:solidFill>
-                <a:latin typeface="Klein Bold"/>
-                <a:ea typeface="Klein Bold"/>
-                <a:cs typeface="Klein Bold"/>
-                <a:sym typeface="Klein Bold"/>
-              </a:rPr>
-              <a:t>UseCase Diagram</a:t>
-            </a:r>
+            <a:endParaRPr/>
           </a:p>
         </p:txBody>
       </p:sp>
-      <p:sp>
-        <p:nvSpPr>
-          <p:cNvPr id="7" name="TextBox 7"/>
-          <p:cNvSpPr txBox="1"/>
+      <p:pic>
+        <p:nvPicPr>
+          <p:cNvPr id="10" name="Picture 9">
+            <a:extLst>
+              <a:ext uri="{FF2B5EF4-FFF2-40B4-BE49-F238E27FC236}">
+                <a16:creationId xmlns:a16="http://schemas.microsoft.com/office/drawing/2014/main" id="{F0B331E1-23BD-ED1C-F326-1D34AD238574}"/>
+              </a:ext>
+            </a:extLst>
+          </p:cNvPr>
+          <p:cNvPicPr>
+            <a:picLocks noChangeAspect="1"/>
+          </p:cNvPicPr>
           <p:nvPr/>
-        </p:nvSpPr>
+        </p:nvPicPr>
+        <p:blipFill>
+          <a:blip r:embed="rId3" cstate="print">
+            <a:extLst>
+              <a:ext uri="{28A0092B-C50C-407E-A947-70E740481C1C}">
+                <a14:useLocalDpi xmlns:a14="http://schemas.microsoft.com/office/drawing/2010/main" val="0"/>
+              </a:ext>
+            </a:extLst>
+          </a:blip>
+          <a:stretch>
+            <a:fillRect/>
+          </a:stretch>
+        </p:blipFill>
         <p:spPr>
           <a:xfrm>
-            <a:off x="1028700" y="3236699"/>
-            <a:ext cx="5293803" cy="556895"/>
+            <a:off x="742462" y="781430"/>
+            <a:ext cx="6885968" cy="8896152"/>
           </a:xfrm>
           <a:prstGeom prst="rect">
             <a:avLst/>
           </a:prstGeom>
         </p:spPr>
+      </p:pic>
+      <p:sp>
+        <p:nvSpPr>
+          <p:cNvPr id="12" name="TextBox 11">
+            <a:extLst>
+              <a:ext uri="{FF2B5EF4-FFF2-40B4-BE49-F238E27FC236}">
+                <a16:creationId xmlns:a16="http://schemas.microsoft.com/office/drawing/2014/main" id="{52B2CC50-20FA-CD19-0101-6B6AAAD96D2B}"/>
+              </a:ext>
+            </a:extLst>
+          </p:cNvPr>
+          <p:cNvSpPr txBox="1"/>
+          <p:nvPr/>
+        </p:nvSpPr>
+        <p:spPr>
+          <a:xfrm>
+            <a:off x="609600" y="9641283"/>
+            <a:ext cx="9144000" cy="646331"/>
+          </a:xfrm>
+          <a:prstGeom prst="rect">
+            <a:avLst/>
+          </a:prstGeom>
+          <a:noFill/>
+        </p:spPr>
         <p:txBody>
-          <a:bodyPr lIns="0" tIns="0" rIns="0" bIns="0" rtlCol="0" anchor="t">
+          <a:bodyPr wrap="square">
             <a:spAutoFit/>
           </a:bodyPr>
           <a:lstStyle/>
           <a:p>
-            <a:pPr algn="l">
-              <a:lnSpc>
-                <a:spcPts val="4479"/>
-              </a:lnSpc>
-            </a:pPr>
-            <a:endParaRPr/>
+            <a:r>
+              <a:rPr lang="en-IN" dirty="0"/>
+              <a:t>Link of Figma : https://www.figma.com/board/hEaccaR6QBGZa7DrWa7fwu/Scrum-Board-Template-(Community)?node-id=0-1&amp;t=25YeGrNuN87VkFMt-1</a:t>
+            </a:r>
           </a:p>
         </p:txBody>
       </p:sp>
       <p:sp>
         <p:nvSpPr>
-          <p:cNvPr id="8" name="TextBox 8"/>
-          <p:cNvSpPr txBox="1"/>
+          <p:cNvPr id="6" name="Rectangle 5">
+            <a:extLst>
+              <a:ext uri="{FF2B5EF4-FFF2-40B4-BE49-F238E27FC236}">
+                <a16:creationId xmlns:a16="http://schemas.microsoft.com/office/drawing/2014/main" id="{4DC66C04-F375-0C8C-C24B-1B13EC202AC7}"/>
+              </a:ext>
+            </a:extLst>
+          </p:cNvPr>
+          <p:cNvSpPr/>
           <p:nvPr/>
         </p:nvSpPr>
         <p:spPr>
           <a:xfrm>
-            <a:off x="0" y="1727225"/>
-            <a:ext cx="8676811" cy="7999730"/>
+            <a:off x="11199961" y="38100"/>
+            <a:ext cx="5318315" cy="923330"/>
           </a:xfrm>
           <a:prstGeom prst="rect">
             <a:avLst/>
           </a:prstGeom>
+          <a:noFill/>
         </p:spPr>
         <p:txBody>
-          <a:bodyPr lIns="0" tIns="0" rIns="0" bIns="0" rtlCol="0" anchor="t">
+          <a:bodyPr wrap="none" lIns="91440" tIns="45720" rIns="91440" bIns="45720">
             <a:spAutoFit/>
           </a:bodyPr>
           <a:lstStyle/>
           <a:p>
-            <a:pPr marL="496574" lvl="1" indent="-248287" algn="l">
-              <a:lnSpc>
-                <a:spcPts val="3220"/>
-              </a:lnSpc>
-              <a:buFont typeface="Arial"/>
-              <a:buChar char="•"/>
-            </a:pPr>
-            <a:r>
-              <a:rPr lang="en-US" sz="2300" dirty="0">
+            <a:pPr algn="ctr"/>
+            <a:r>
+              <a:rPr lang="en-US" sz="5400" b="1" cap="none" spc="0" dirty="0">
+                <a:ln w="13462">
+                  <a:solidFill>
+                    <a:schemeClr val="bg1"/>
+                  </a:solidFill>
+                  <a:prstDash val="solid"/>
+                </a:ln>
                 <a:solidFill>
-                  <a:srgbClr val="2A2E3A"/>
+                  <a:schemeClr val="tx1">
+                    <a:lumMod val="85000"/>
+                    <a:lumOff val="15000"/>
+                  </a:schemeClr>
                 </a:solidFill>
-                <a:latin typeface="Helios"/>
-                <a:ea typeface="Helios"/>
-                <a:cs typeface="Helios"/>
-                <a:sym typeface="Helios"/>
+                <a:effectLst>
+                  <a:outerShdw dist="38100" dir="2700000" algn="bl" rotWithShape="0">
+                    <a:schemeClr val="accent5"/>
+                  </a:outerShdw>
+                </a:effectLst>
               </a:rPr>
-              <a:t>Actors: The primary users are Students, Clubs/Committees, and College Admin.</a:t>
-            </a:r>
-          </a:p>
-          <a:p>
-            <a:pPr marL="496574" lvl="1" indent="-248287" algn="l">
-              <a:lnSpc>
-                <a:spcPts val="3220"/>
-              </a:lnSpc>
-              <a:spcBef>
-                <a:spcPct val="0"/>
-              </a:spcBef>
-              <a:buFont typeface="Arial"/>
-              <a:buChar char="•"/>
-            </a:pPr>
-            <a:r>
-              <a:rPr lang="en-US" sz="2300" dirty="0">
+              <a:t>Use Case Diagram</a:t>
+            </a:r>
+          </a:p>
+        </p:txBody>
+      </p:sp>
+      <p:sp>
+        <p:nvSpPr>
+          <p:cNvPr id="8" name="Rectangle 7">
+            <a:extLst>
+              <a:ext uri="{FF2B5EF4-FFF2-40B4-BE49-F238E27FC236}">
+                <a16:creationId xmlns:a16="http://schemas.microsoft.com/office/drawing/2014/main" id="{59FF5AB9-D1DD-FF4C-39E7-4C14B10014AD}"/>
+              </a:ext>
+            </a:extLst>
+          </p:cNvPr>
+          <p:cNvSpPr/>
+          <p:nvPr/>
+        </p:nvSpPr>
+        <p:spPr>
+          <a:xfrm>
+            <a:off x="114965" y="-614"/>
+            <a:ext cx="8571835" cy="923330"/>
+          </a:xfrm>
+          <a:prstGeom prst="rect">
+            <a:avLst/>
+          </a:prstGeom>
+          <a:noFill/>
+        </p:spPr>
+        <p:txBody>
+          <a:bodyPr wrap="none" lIns="91440" tIns="45720" rIns="91440" bIns="45720">
+            <a:spAutoFit/>
+          </a:bodyPr>
+          <a:lstStyle/>
+          <a:p>
+            <a:pPr algn="ctr"/>
+            <a:r>
+              <a:rPr lang="en-US" sz="5400" b="1" cap="none" spc="0" dirty="0">
+                <a:ln w="13462">
+                  <a:solidFill>
+                    <a:schemeClr val="bg1"/>
+                  </a:solidFill>
+                  <a:prstDash val="solid"/>
+                </a:ln>
                 <a:solidFill>
-                  <a:srgbClr val="2A2E3A"/>
+                  <a:schemeClr val="tx1">
+                    <a:lumMod val="85000"/>
+                    <a:lumOff val="15000"/>
+                  </a:schemeClr>
                 </a:solidFill>
-                <a:latin typeface="Helios"/>
-                <a:ea typeface="Helios"/>
-                <a:cs typeface="Helios"/>
-                <a:sym typeface="Helios"/>
+                <a:effectLst>
+                  <a:outerShdw dist="38100" dir="2700000" algn="bl" rotWithShape="0">
+                    <a:schemeClr val="accent5"/>
+                  </a:outerShdw>
+                </a:effectLst>
               </a:rPr>
-              <a:t>Blog Post: Students can create blogs using text, audio, or video formats.</a:t>
-            </a:r>
-          </a:p>
-          <a:p>
-            <a:pPr marL="496574" lvl="1" indent="-248287" algn="l">
-              <a:lnSpc>
-                <a:spcPts val="3220"/>
-              </a:lnSpc>
-              <a:spcBef>
-                <a:spcPct val="0"/>
-              </a:spcBef>
-              <a:buFont typeface="Arial"/>
-              <a:buChar char="•"/>
-            </a:pPr>
-            <a:r>
-              <a:rPr lang="en-US" sz="2300" dirty="0">
-                <a:solidFill>
-                  <a:srgbClr val="2A2E3A"/>
-                </a:solidFill>
-                <a:latin typeface="Helios"/>
-                <a:ea typeface="Helios"/>
-                <a:cs typeface="Helios"/>
-                <a:sym typeface="Helios"/>
-              </a:rPr>
-              <a:t>Collaboration: Collaborative posts can be created and managed by users.</a:t>
-            </a:r>
-          </a:p>
-          <a:p>
-            <a:pPr marL="496574" lvl="1" indent="-248287" algn="l">
-              <a:lnSpc>
-                <a:spcPts val="3220"/>
-              </a:lnSpc>
-              <a:spcBef>
-                <a:spcPct val="0"/>
-              </a:spcBef>
-              <a:buFont typeface="Arial"/>
-              <a:buChar char="•"/>
-            </a:pPr>
-            <a:r>
-              <a:rPr lang="en-US" sz="2300" dirty="0">
-                <a:solidFill>
-                  <a:srgbClr val="2A2E3A"/>
-                </a:solidFill>
-                <a:latin typeface="Helios"/>
-                <a:ea typeface="Helios"/>
-                <a:cs typeface="Helios"/>
-                <a:sym typeface="Helios"/>
-              </a:rPr>
-              <a:t>Engagement: Features like liking, sharing, and commenting on posts are available.</a:t>
-            </a:r>
-          </a:p>
-          <a:p>
-            <a:pPr marL="496574" lvl="1" indent="-248287" algn="l">
-              <a:lnSpc>
-                <a:spcPts val="3220"/>
-              </a:lnSpc>
-              <a:spcBef>
-                <a:spcPct val="0"/>
-              </a:spcBef>
-              <a:buFont typeface="Arial"/>
-              <a:buChar char="•"/>
-            </a:pPr>
-            <a:r>
-              <a:rPr lang="en-US" sz="2300" dirty="0">
-                <a:solidFill>
-                  <a:srgbClr val="2A2E3A"/>
-                </a:solidFill>
-                <a:latin typeface="Helios"/>
-                <a:ea typeface="Helios"/>
-                <a:cs typeface="Helios"/>
-                <a:sym typeface="Helios"/>
-              </a:rPr>
-              <a:t>Privacy Settings: Students can customize privacy options, including private walls and blocking users.</a:t>
-            </a:r>
-          </a:p>
-          <a:p>
-            <a:pPr marL="496574" lvl="1" indent="-248287" algn="l">
-              <a:lnSpc>
-                <a:spcPts val="3220"/>
-              </a:lnSpc>
-              <a:spcBef>
-                <a:spcPct val="0"/>
-              </a:spcBef>
-              <a:buFont typeface="Arial"/>
-              <a:buChar char="•"/>
-            </a:pPr>
-            <a:r>
-              <a:rPr lang="en-US" sz="2300" dirty="0">
-                <a:solidFill>
-                  <a:srgbClr val="2A2E3A"/>
-                </a:solidFill>
-                <a:latin typeface="Helios"/>
-                <a:ea typeface="Helios"/>
-                <a:cs typeface="Helios"/>
-                <a:sym typeface="Helios"/>
-              </a:rPr>
-              <a:t>User Management: Students can register, log in, reset passwords, and edit profiles.</a:t>
-            </a:r>
-          </a:p>
-          <a:p>
-            <a:pPr marL="496574" lvl="1" indent="-248287" algn="l">
-              <a:lnSpc>
-                <a:spcPts val="3220"/>
-              </a:lnSpc>
-              <a:spcBef>
-                <a:spcPct val="0"/>
-              </a:spcBef>
-              <a:buFont typeface="Arial"/>
-              <a:buChar char="•"/>
-            </a:pPr>
-            <a:r>
-              <a:rPr lang="en-US" sz="2300" dirty="0">
-                <a:solidFill>
-                  <a:srgbClr val="2A2E3A"/>
-                </a:solidFill>
-                <a:latin typeface="Helios"/>
-                <a:ea typeface="Helios"/>
-                <a:cs typeface="Helios"/>
-                <a:sym typeface="Helios"/>
-              </a:rPr>
-              <a:t>Notifications: Students receive updates on platform activities.</a:t>
-            </a:r>
-          </a:p>
-          <a:p>
-            <a:pPr marL="496574" lvl="1" indent="-248287" algn="l">
-              <a:lnSpc>
-                <a:spcPts val="3220"/>
-              </a:lnSpc>
-              <a:spcBef>
-                <a:spcPct val="0"/>
-              </a:spcBef>
-              <a:buFont typeface="Arial"/>
-              <a:buChar char="•"/>
-            </a:pPr>
-            <a:r>
-              <a:rPr lang="en-US" sz="2300" dirty="0">
-                <a:solidFill>
-                  <a:srgbClr val="2A2E3A"/>
-                </a:solidFill>
-                <a:latin typeface="Helios"/>
-                <a:ea typeface="Helios"/>
-                <a:cs typeface="Helios"/>
-                <a:sym typeface="Helios"/>
-              </a:rPr>
-              <a:t>Data Insights: Engagement statistics and reports are available for users and admins.</a:t>
-            </a:r>
-          </a:p>
-          <a:p>
-            <a:pPr marL="496574" lvl="1" indent="-248287" algn="l">
-              <a:lnSpc>
-                <a:spcPts val="3220"/>
-              </a:lnSpc>
-              <a:spcBef>
-                <a:spcPct val="0"/>
-              </a:spcBef>
-              <a:buFont typeface="Arial"/>
-              <a:buChar char="•"/>
-            </a:pPr>
-            <a:r>
-              <a:rPr lang="en-US" sz="2300" dirty="0">
-                <a:solidFill>
-                  <a:srgbClr val="2A2E3A"/>
-                </a:solidFill>
-                <a:latin typeface="Helios"/>
-                <a:ea typeface="Helios"/>
-                <a:cs typeface="Helios"/>
-                <a:sym typeface="Helios"/>
-              </a:rPr>
-              <a:t>Communication: Features include a complaint box, online forums, and a notice board.</a:t>
-            </a:r>
-          </a:p>
-          <a:p>
-            <a:pPr marL="496574" lvl="1" indent="-248287" algn="l">
-              <a:lnSpc>
-                <a:spcPts val="3220"/>
-              </a:lnSpc>
-              <a:spcBef>
-                <a:spcPct val="0"/>
-              </a:spcBef>
-              <a:buFont typeface="Arial"/>
-              <a:buChar char="•"/>
-            </a:pPr>
-            <a:r>
-              <a:rPr lang="en-US" sz="2300" dirty="0">
-                <a:solidFill>
-                  <a:srgbClr val="2A2E3A"/>
-                </a:solidFill>
-                <a:latin typeface="Helios"/>
-                <a:ea typeface="Helios"/>
-                <a:cs typeface="Helios"/>
-                <a:sym typeface="Helios"/>
-              </a:rPr>
-              <a:t>Admin Role: College Admin can make announcements, manage notices, and oversee platform usage.</a:t>
-            </a:r>
-          </a:p>
-          <a:p>
-            <a:pPr algn="l">
-              <a:lnSpc>
-                <a:spcPts val="3220"/>
-              </a:lnSpc>
-              <a:spcBef>
-                <a:spcPct val="0"/>
-              </a:spcBef>
-            </a:pPr>
-            <a:endParaRPr lang="en-US" sz="2300" dirty="0">
-              <a:solidFill>
-                <a:srgbClr val="2A2E3A"/>
-              </a:solidFill>
-              <a:latin typeface="Helios"/>
-              <a:ea typeface="Helios"/>
-              <a:cs typeface="Helios"/>
-              <a:sym typeface="Helios"/>
-            </a:endParaRPr>
+              <a:t>Product backlog/User Stories</a:t>
+            </a:r>
           </a:p>
         </p:txBody>
       </p:sp>
@@ -9883,7 +9731,7 @@
         <p:spPr>
           <a:xfrm>
             <a:off x="11353563" y="2944067"/>
-            <a:ext cx="3961467" cy="2242820"/>
+            <a:ext cx="3961467" cy="2831224"/>
           </a:xfrm>
           <a:prstGeom prst="rect">
             <a:avLst/>
@@ -9913,8 +9761,27 @@
                 <a:cs typeface="Helios"/>
                 <a:sym typeface="Helios"/>
               </a:rPr>
-              <a:t>Occurrence of blank screen multiple times due to error in routing and importing</a:t>
-            </a:r>
+              <a:t>Failure to execute drop down transition on clicking on profile page</a:t>
+            </a:r>
+          </a:p>
+          <a:p>
+            <a:pPr algn="ctr">
+              <a:lnSpc>
+                <a:spcPts val="4479"/>
+              </a:lnSpc>
+              <a:spcBef>
+                <a:spcPct val="0"/>
+              </a:spcBef>
+            </a:pPr>
+            <a:endParaRPr lang="en-US" sz="3199" dirty="0">
+              <a:solidFill>
+                <a:srgbClr val="2A2E3A"/>
+              </a:solidFill>
+              <a:latin typeface="Helios"/>
+              <a:ea typeface="Helios"/>
+              <a:cs typeface="Helios"/>
+              <a:sym typeface="Helios"/>
+            </a:endParaRPr>
           </a:p>
         </p:txBody>
       </p:sp>
@@ -10382,7 +10249,7 @@
                 <a:cs typeface="Helios"/>
                 <a:sym typeface="Helios"/>
               </a:rPr>
-              <a:t>Testing and      Test Cases</a:t>
+              <a:t>Testing and Test Cases</a:t>
             </a:r>
           </a:p>
         </p:txBody>
@@ -10798,6 +10665,13 @@
                 <a:srgbClr val="153969"/>
               </a:solidFill>
             </p:spPr>
+            <p:txBody>
+              <a:bodyPr/>
+              <a:lstStyle/>
+              <a:p>
+                <a:endParaRPr lang="en-IN" dirty="0"/>
+              </a:p>
+            </p:txBody>
           </p:sp>
           <p:sp>
             <p:nvSpPr>
@@ -10833,7 +10707,7 @@
                     <a:cs typeface="Klein Bold"/>
                     <a:sym typeface="Klein Bold"/>
                   </a:rPr>
-                  <a:t>3.5</a:t>
+                  <a:t>4.25</a:t>
                 </a:r>
               </a:p>
             </p:txBody>
@@ -11025,7 +10899,7 @@
                     <a:cs typeface="Klein Bold"/>
                     <a:sym typeface="Klein Bold"/>
                   </a:rPr>
-                  <a:t>3.5</a:t>
+                  <a:t>3.75</a:t>
                 </a:r>
               </a:p>
             </p:txBody>
